--- a/Courses/ML_Concepts/orientation.pptx
+++ b/Courses/ML_Concepts/orientation.pptx
@@ -109,6 +109,11 @@
       </a:defRPr>
     </a:lvl9pPr>
   </p:defaultTextStyle>
+  <p:extLst>
+    <p:ext uri="{EFAFB233-063F-42B5-8137-9DF3F51BA10A}">
+      <p15:sldGuideLst xmlns:p15="http://schemas.microsoft.com/office/powerpoint/2012/main"/>
+    </p:ext>
+  </p:extLst>
 </p:presentation>
 </file>
 
@@ -259,7 +264,7 @@
           <a:p>
             <a:fld id="{BC0D93F7-E1AD-428F-B0B3-877DB5A91319}" type="datetimeFigureOut">
               <a:rPr lang="en-US" smtClean="0"/>
-              <a:t>10/18/2023</a:t>
+              <a:t>10/19/2023</a:t>
             </a:fld>
             <a:endParaRPr lang="en-US"/>
           </a:p>
@@ -457,7 +462,7 @@
           <a:p>
             <a:fld id="{BC0D93F7-E1AD-428F-B0B3-877DB5A91319}" type="datetimeFigureOut">
               <a:rPr lang="en-US" smtClean="0"/>
-              <a:t>10/18/2023</a:t>
+              <a:t>10/19/2023</a:t>
             </a:fld>
             <a:endParaRPr lang="en-US"/>
           </a:p>
@@ -665,7 +670,7 @@
           <a:p>
             <a:fld id="{BC0D93F7-E1AD-428F-B0B3-877DB5A91319}" type="datetimeFigureOut">
               <a:rPr lang="en-US" smtClean="0"/>
-              <a:t>10/18/2023</a:t>
+              <a:t>10/19/2023</a:t>
             </a:fld>
             <a:endParaRPr lang="en-US"/>
           </a:p>
@@ -863,7 +868,7 @@
           <a:p>
             <a:fld id="{BC0D93F7-E1AD-428F-B0B3-877DB5A91319}" type="datetimeFigureOut">
               <a:rPr lang="en-US" smtClean="0"/>
-              <a:t>10/18/2023</a:t>
+              <a:t>10/19/2023</a:t>
             </a:fld>
             <a:endParaRPr lang="en-US"/>
           </a:p>
@@ -1138,7 +1143,7 @@
           <a:p>
             <a:fld id="{BC0D93F7-E1AD-428F-B0B3-877DB5A91319}" type="datetimeFigureOut">
               <a:rPr lang="en-US" smtClean="0"/>
-              <a:t>10/18/2023</a:t>
+              <a:t>10/19/2023</a:t>
             </a:fld>
             <a:endParaRPr lang="en-US"/>
           </a:p>
@@ -1403,7 +1408,7 @@
           <a:p>
             <a:fld id="{BC0D93F7-E1AD-428F-B0B3-877DB5A91319}" type="datetimeFigureOut">
               <a:rPr lang="en-US" smtClean="0"/>
-              <a:t>10/18/2023</a:t>
+              <a:t>10/19/2023</a:t>
             </a:fld>
             <a:endParaRPr lang="en-US"/>
           </a:p>
@@ -1815,7 +1820,7 @@
           <a:p>
             <a:fld id="{BC0D93F7-E1AD-428F-B0B3-877DB5A91319}" type="datetimeFigureOut">
               <a:rPr lang="en-US" smtClean="0"/>
-              <a:t>10/18/2023</a:t>
+              <a:t>10/19/2023</a:t>
             </a:fld>
             <a:endParaRPr lang="en-US"/>
           </a:p>
@@ -1956,7 +1961,7 @@
           <a:p>
             <a:fld id="{BC0D93F7-E1AD-428F-B0B3-877DB5A91319}" type="datetimeFigureOut">
               <a:rPr lang="en-US" smtClean="0"/>
-              <a:t>10/18/2023</a:t>
+              <a:t>10/19/2023</a:t>
             </a:fld>
             <a:endParaRPr lang="en-US"/>
           </a:p>
@@ -2069,7 +2074,7 @@
           <a:p>
             <a:fld id="{BC0D93F7-E1AD-428F-B0B3-877DB5A91319}" type="datetimeFigureOut">
               <a:rPr lang="en-US" smtClean="0"/>
-              <a:t>10/18/2023</a:t>
+              <a:t>10/19/2023</a:t>
             </a:fld>
             <a:endParaRPr lang="en-US"/>
           </a:p>
@@ -2380,7 +2385,7 @@
           <a:p>
             <a:fld id="{BC0D93F7-E1AD-428F-B0B3-877DB5A91319}" type="datetimeFigureOut">
               <a:rPr lang="en-US" smtClean="0"/>
-              <a:t>10/18/2023</a:t>
+              <a:t>10/19/2023</a:t>
             </a:fld>
             <a:endParaRPr lang="en-US"/>
           </a:p>
@@ -2668,7 +2673,7 @@
           <a:p>
             <a:fld id="{BC0D93F7-E1AD-428F-B0B3-877DB5A91319}" type="datetimeFigureOut">
               <a:rPr lang="en-US" smtClean="0"/>
-              <a:t>10/18/2023</a:t>
+              <a:t>10/19/2023</a:t>
             </a:fld>
             <a:endParaRPr lang="en-US"/>
           </a:p>
@@ -2909,7 +2914,7 @@
           <a:p>
             <a:fld id="{BC0D93F7-E1AD-428F-B0B3-877DB5A91319}" type="datetimeFigureOut">
               <a:rPr lang="en-US" smtClean="0"/>
-              <a:t>10/18/2023</a:t>
+              <a:t>10/19/2023</a:t>
             </a:fld>
             <a:endParaRPr lang="en-US"/>
           </a:p>
@@ -3553,29 +3558,47 @@
             </a:pPr>
             <a:r>
               <a:rPr lang="en-US" dirty="0"/>
-              <a:t>	Peter McGarvey, PhD</a:t>
-            </a:r>
-          </a:p>
-          <a:p>
-            <a:pPr marL="0" indent="0">
-              <a:buNone/>
-            </a:pPr>
-            <a:r>
-              <a:rPr lang="en-US" dirty="0"/>
-              <a:t>	Matthew McCoy, PhD</a:t>
-            </a:r>
-          </a:p>
-          <a:p>
-            <a:pPr marL="0" indent="0">
-              <a:buNone/>
-            </a:pPr>
-            <a:r>
-              <a:rPr lang="en-US" dirty="0"/>
-              <a:t>	Samir Gupta, PhD</a:t>
-            </a:r>
-          </a:p>
-        </p:txBody>
-      </p:sp>
+              <a:t>	</a:t>
+            </a:r>
+          </a:p>
+        </p:txBody>
+      </p:sp>
+      <p:pic>
+        <p:nvPicPr>
+          <p:cNvPr id="5" name="Picture 4">
+            <a:extLst>
+              <a:ext uri="{FF2B5EF4-FFF2-40B4-BE49-F238E27FC236}">
+                <a16:creationId xmlns:a16="http://schemas.microsoft.com/office/drawing/2014/main" id="{B244AD89-E353-4961-A55A-8F1755D65C3E}"/>
+              </a:ext>
+            </a:extLst>
+          </p:cNvPr>
+          <p:cNvPicPr>
+            <a:picLocks noChangeAspect="1"/>
+          </p:cNvPicPr>
+          <p:nvPr/>
+        </p:nvPicPr>
+        <p:blipFill>
+          <a:blip r:embed="rId2">
+            <a:extLst>
+              <a:ext uri="{28A0092B-C50C-407E-A947-70E740481C1C}">
+                <a14:useLocalDpi xmlns:a14="http://schemas.microsoft.com/office/drawing/2010/main" val="0"/>
+              </a:ext>
+            </a:extLst>
+          </a:blip>
+          <a:stretch>
+            <a:fillRect/>
+          </a:stretch>
+        </p:blipFill>
+        <p:spPr>
+          <a:xfrm>
+            <a:off x="2349826" y="4081171"/>
+            <a:ext cx="7354326" cy="2095792"/>
+          </a:xfrm>
+          <a:prstGeom prst="rect">
+            <a:avLst/>
+          </a:prstGeom>
+        </p:spPr>
+      </p:pic>
     </p:spTree>
     <p:extLst>
       <p:ext uri="{BB962C8B-B14F-4D97-AF65-F5344CB8AC3E}">
@@ -4139,8 +4162,8 @@
         </p:nvSpPr>
         <p:spPr>
           <a:xfrm>
-            <a:off x="0" y="1808372"/>
-            <a:ext cx="6499477" cy="4351338"/>
+            <a:off x="353682" y="1808372"/>
+            <a:ext cx="6797615" cy="4351338"/>
           </a:xfrm>
         </p:spPr>
         <p:txBody>
@@ -4232,8 +4255,83 @@
         </p:blipFill>
         <p:spPr>
           <a:xfrm>
-            <a:off x="6381584" y="1475207"/>
-            <a:ext cx="5810416" cy="4459675"/>
+            <a:off x="7625750" y="2800590"/>
+            <a:ext cx="4065917" cy="3120718"/>
+          </a:xfrm>
+          <a:prstGeom prst="rect">
+            <a:avLst/>
+          </a:prstGeom>
+        </p:spPr>
+      </p:pic>
+      <p:sp>
+        <p:nvSpPr>
+          <p:cNvPr id="4" name="AutoShape 2" descr="image.png">
+            <a:extLst>
+              <a:ext uri="{FF2B5EF4-FFF2-40B4-BE49-F238E27FC236}">
+                <a16:creationId xmlns:a16="http://schemas.microsoft.com/office/drawing/2014/main" id="{64844B4F-3F38-4F14-983A-7180DA2C3E87}"/>
+              </a:ext>
+            </a:extLst>
+          </p:cNvPr>
+          <p:cNvSpPr>
+            <a:spLocks noChangeAspect="1" noChangeArrowheads="1"/>
+          </p:cNvSpPr>
+          <p:nvPr/>
+        </p:nvSpPr>
+        <p:spPr bwMode="auto">
+          <a:xfrm>
+            <a:off x="5943600" y="3276600"/>
+            <a:ext cx="304800" cy="304800"/>
+          </a:xfrm>
+          <a:prstGeom prst="rect">
+            <a:avLst/>
+          </a:prstGeom>
+          <a:noFill/>
+          <a:extLst>
+            <a:ext uri="{909E8E84-426E-40DD-AFC4-6F175D3DCCD1}">
+              <a14:hiddenFill xmlns:a14="http://schemas.microsoft.com/office/drawing/2010/main">
+                <a:solidFill>
+                  <a:srgbClr val="FFFFFF"/>
+                </a:solidFill>
+              </a14:hiddenFill>
+            </a:ext>
+          </a:extLst>
+        </p:spPr>
+        <p:txBody>
+          <a:bodyPr vert="horz" wrap="square" lIns="91440" tIns="45720" rIns="91440" bIns="45720" numCol="1" anchor="t" anchorCtr="0" compatLnSpc="1">
+            <a:prstTxWarp prst="textNoShape">
+              <a:avLst/>
+            </a:prstTxWarp>
+          </a:bodyPr>
+          <a:lstStyle/>
+          <a:p>
+            <a:endParaRPr lang="en-US"/>
+          </a:p>
+        </p:txBody>
+      </p:sp>
+      <p:pic>
+        <p:nvPicPr>
+          <p:cNvPr id="6" name="Picture 5">
+            <a:extLst>
+              <a:ext uri="{FF2B5EF4-FFF2-40B4-BE49-F238E27FC236}">
+                <a16:creationId xmlns:a16="http://schemas.microsoft.com/office/drawing/2014/main" id="{E81F0F05-441C-4158-B3FC-03BBDD44CF34}"/>
+              </a:ext>
+            </a:extLst>
+          </p:cNvPr>
+          <p:cNvPicPr>
+            <a:picLocks noChangeAspect="1"/>
+          </p:cNvPicPr>
+          <p:nvPr/>
+        </p:nvPicPr>
+        <p:blipFill>
+          <a:blip r:embed="rId4"/>
+          <a:stretch>
+            <a:fillRect/>
+          </a:stretch>
+        </p:blipFill>
+        <p:spPr>
+          <a:xfrm>
+            <a:off x="8100202" y="631588"/>
+            <a:ext cx="1721881" cy="1721881"/>
           </a:xfrm>
           <a:prstGeom prst="rect">
             <a:avLst/>
